--- a/1 - Fundamentals of Object Oriented Programming/class_methods/Class Methods.pptx
+++ b/1 - Fundamentals of Object Oriented Programming/class_methods/Class Methods.pptx
@@ -3569,7 +3569,7 @@
           <a:p>
             <a:fld id="{75A99358-0554-3345-871D-48A6BABEE3E1}" type="datetimeFigureOut">
               <a:rPr lang="en-US" smtClean="0"/>
-              <a:t>3/19/2025</a:t>
+              <a:t>3/25/2025</a:t>
             </a:fld>
             <a:endParaRPr lang="en-US"/>
           </a:p>
@@ -4012,7 +4012,7 @@
           <a:p>
             <a:fld id="{04BC266F-70C8-954B-9EC8-D842168CE9D2}" type="datetimeFigureOut">
               <a:rPr lang="en-US" smtClean="0"/>
-              <a:t>3/19/2025</a:t>
+              <a:t>3/25/2025</a:t>
             </a:fld>
             <a:endParaRPr lang="en-US"/>
           </a:p>
@@ -4197,7 +4197,7 @@
           <a:p>
             <a:r>
               <a:rPr lang="en-US" dirty="0"/>
-              <a:t>CCDEPLRL</a:t>
+              <a:t>CCOBJPGL</a:t>
             </a:r>
           </a:p>
         </p:txBody>
@@ -4654,7 +4654,7 @@
           <a:p>
             <a:r>
               <a:rPr lang="en-US" dirty="0"/>
-              <a:t>CCDEPLRL</a:t>
+              <a:t>CCOBJPGL</a:t>
             </a:r>
           </a:p>
         </p:txBody>
@@ -5111,7 +5111,7 @@
           <a:p>
             <a:r>
               <a:rPr lang="en-US"/>
-              <a:t>CCDEPLRL</a:t>
+              <a:t>CCOBJPGL</a:t>
             </a:r>
             <a:endParaRPr lang="en-US" dirty="0"/>
           </a:p>
@@ -5569,7 +5569,7 @@
           <a:p>
             <a:r>
               <a:rPr lang="en-US" dirty="0"/>
-              <a:t>CCDEPLRL</a:t>
+              <a:t>CCOBJPGL</a:t>
             </a:r>
           </a:p>
         </p:txBody>
@@ -5962,7 +5962,7 @@
           <a:p>
             <a:fld id="{04BC266F-70C8-954B-9EC8-D842168CE9D2}" type="datetimeFigureOut">
               <a:rPr lang="en-US" smtClean="0"/>
-              <a:t>3/19/2025</a:t>
+              <a:t>3/25/2025</a:t>
             </a:fld>
             <a:endParaRPr lang="en-US"/>
           </a:p>
@@ -6176,7 +6176,7 @@
           <a:p>
             <a:r>
               <a:rPr lang="en-US" dirty="0"/>
-              <a:t>CCDEPLRL</a:t>
+              <a:t>CCOBJPGL</a:t>
             </a:r>
           </a:p>
         </p:txBody>
@@ -6695,7 +6695,7 @@
           <a:p>
             <a:r>
               <a:rPr lang="en-US" dirty="0"/>
-              <a:t>CCDEPLRL</a:t>
+              <a:t>CCOBJPGL</a:t>
             </a:r>
           </a:p>
         </p:txBody>
@@ -7356,7 +7356,7 @@
           <a:p>
             <a:r>
               <a:rPr lang="en-US" dirty="0"/>
-              <a:t>CCDEPLRL</a:t>
+              <a:t>CCOBJPGL</a:t>
             </a:r>
           </a:p>
         </p:txBody>
@@ -7620,7 +7620,7 @@
           <a:p>
             <a:fld id="{04BC266F-70C8-954B-9EC8-D842168CE9D2}" type="datetimeFigureOut">
               <a:rPr lang="en-US" smtClean="0"/>
-              <a:t>3/19/2025</a:t>
+              <a:t>3/25/2025</a:t>
             </a:fld>
             <a:endParaRPr lang="en-US"/>
           </a:p>
@@ -7834,7 +7834,7 @@
           <a:p>
             <a:r>
               <a:rPr lang="en-US" dirty="0"/>
-              <a:t>CCDEPLRL</a:t>
+              <a:t>CCOBJPGL</a:t>
             </a:r>
           </a:p>
         </p:txBody>
@@ -8065,7 +8065,7 @@
           <a:p>
             <a:fld id="{04BC266F-70C8-954B-9EC8-D842168CE9D2}" type="datetimeFigureOut">
               <a:rPr lang="en-US" smtClean="0"/>
-              <a:t>3/19/2025</a:t>
+              <a:t>3/25/2025</a:t>
             </a:fld>
             <a:endParaRPr lang="en-US"/>
           </a:p>
@@ -8279,7 +8279,7 @@
           <a:p>
             <a:r>
               <a:rPr lang="en-US" dirty="0"/>
-              <a:t>CCDEPLRL</a:t>
+              <a:t>CCOBJPGL</a:t>
             </a:r>
           </a:p>
         </p:txBody>
@@ -8839,7 +8839,7 @@
           <a:p>
             <a:r>
               <a:rPr lang="en-US" dirty="0"/>
-              <a:t>CCDEPLRL</a:t>
+              <a:t>CCOBJPGL</a:t>
             </a:r>
           </a:p>
         </p:txBody>
@@ -9376,7 +9376,7 @@
           <a:p>
             <a:r>
               <a:rPr lang="en-US" dirty="0"/>
-              <a:t>CCDEPLRL</a:t>
+              <a:t>CCOBJPGL</a:t>
             </a:r>
           </a:p>
         </p:txBody>
@@ -9735,7 +9735,7 @@
           <a:p>
             <a:fld id="{04BC266F-70C8-954B-9EC8-D842168CE9D2}" type="datetimeFigureOut">
               <a:rPr lang="en-US" smtClean="0"/>
-              <a:t>3/19/2025</a:t>
+              <a:t>3/25/2025</a:t>
             </a:fld>
             <a:endParaRPr lang="en-US"/>
           </a:p>
